--- a/Project 4.pptx
+++ b/Project 4.pptx
@@ -7834,6 +7834,18 @@
   <p:clrMapOvr>
     <a:masterClrMapping/>
   </p:clrMapOvr>
+  <mc:AlternateContent xmlns:mc="http://schemas.openxmlformats.org/markup-compatibility/2006">
+    <mc:Choice xmlns:p159="http://schemas.microsoft.com/office/powerpoint/2015/09/main" Requires="p159">
+      <p:transition xmlns:p14="http://schemas.microsoft.com/office/powerpoint/2010/main" spd="slow" p14:dur="2000">
+        <p159:morph option="byObject"/>
+      </p:transition>
+    </mc:Choice>
+    <mc:Fallback>
+      <p:transition spd="slow">
+        <p:fade/>
+      </p:transition>
+    </mc:Fallback>
+  </mc:AlternateContent>
 </p:sld>
 </file>
 
@@ -7922,6 +7934,18 @@
   <p:clrMapOvr>
     <a:masterClrMapping/>
   </p:clrMapOvr>
+  <mc:AlternateContent xmlns:mc="http://schemas.openxmlformats.org/markup-compatibility/2006">
+    <mc:Choice xmlns:p159="http://schemas.microsoft.com/office/powerpoint/2015/09/main" Requires="p159">
+      <p:transition xmlns:p14="http://schemas.microsoft.com/office/powerpoint/2010/main" spd="slow" p14:dur="2000">
+        <p159:morph option="byObject"/>
+      </p:transition>
+    </mc:Choice>
+    <mc:Fallback>
+      <p:transition spd="slow">
+        <p:fade/>
+      </p:transition>
+    </mc:Fallback>
+  </mc:AlternateContent>
 </p:sld>
 </file>
 
@@ -8009,6 +8033,18 @@
   <p:clrMapOvr>
     <a:masterClrMapping/>
   </p:clrMapOvr>
+  <mc:AlternateContent xmlns:mc="http://schemas.openxmlformats.org/markup-compatibility/2006">
+    <mc:Choice xmlns:p159="http://schemas.microsoft.com/office/powerpoint/2015/09/main" Requires="p159">
+      <p:transition xmlns:p14="http://schemas.microsoft.com/office/powerpoint/2010/main" spd="slow" p14:dur="2000">
+        <p159:morph option="byObject"/>
+      </p:transition>
+    </mc:Choice>
+    <mc:Fallback>
+      <p:transition spd="slow">
+        <p:fade/>
+      </p:transition>
+    </mc:Fallback>
+  </mc:AlternateContent>
 </p:sld>
 </file>
 
@@ -8097,6 +8133,18 @@
   <p:clrMapOvr>
     <a:masterClrMapping/>
   </p:clrMapOvr>
+  <mc:AlternateContent xmlns:mc="http://schemas.openxmlformats.org/markup-compatibility/2006">
+    <mc:Choice xmlns:p159="http://schemas.microsoft.com/office/powerpoint/2015/09/main" Requires="p159">
+      <p:transition xmlns:p14="http://schemas.microsoft.com/office/powerpoint/2010/main" spd="slow" p14:dur="2000">
+        <p159:morph option="byObject"/>
+      </p:transition>
+    </mc:Choice>
+    <mc:Fallback>
+      <p:transition spd="slow">
+        <p:fade/>
+      </p:transition>
+    </mc:Fallback>
+  </mc:AlternateContent>
 </p:sld>
 </file>
 
@@ -8185,6 +8233,18 @@
   <p:clrMapOvr>
     <a:masterClrMapping/>
   </p:clrMapOvr>
+  <mc:AlternateContent xmlns:mc="http://schemas.openxmlformats.org/markup-compatibility/2006">
+    <mc:Choice xmlns:p159="http://schemas.microsoft.com/office/powerpoint/2015/09/main" Requires="p159">
+      <p:transition xmlns:p14="http://schemas.microsoft.com/office/powerpoint/2010/main" spd="slow" p14:dur="2000">
+        <p159:morph option="byObject"/>
+      </p:transition>
+    </mc:Choice>
+    <mc:Fallback>
+      <p:transition spd="slow">
+        <p:fade/>
+      </p:transition>
+    </mc:Fallback>
+  </mc:AlternateContent>
 </p:sld>
 </file>
 
@@ -8272,6 +8332,18 @@
   <p:clrMapOvr>
     <a:masterClrMapping/>
   </p:clrMapOvr>
+  <mc:AlternateContent xmlns:mc="http://schemas.openxmlformats.org/markup-compatibility/2006">
+    <mc:Choice xmlns:p159="http://schemas.microsoft.com/office/powerpoint/2015/09/main" Requires="p159">
+      <p:transition xmlns:p14="http://schemas.microsoft.com/office/powerpoint/2010/main" spd="slow" p14:dur="2000">
+        <p159:morph option="byObject"/>
+      </p:transition>
+    </mc:Choice>
+    <mc:Fallback>
+      <p:transition spd="slow">
+        <p:fade/>
+      </p:transition>
+    </mc:Fallback>
+  </mc:AlternateContent>
 </p:sld>
 </file>
 
@@ -8550,6 +8622,18 @@
   <p:clrMapOvr>
     <a:masterClrMapping/>
   </p:clrMapOvr>
+  <mc:AlternateContent xmlns:mc="http://schemas.openxmlformats.org/markup-compatibility/2006">
+    <mc:Choice xmlns:p159="http://schemas.microsoft.com/office/powerpoint/2015/09/main" Requires="p159">
+      <p:transition xmlns:p14="http://schemas.microsoft.com/office/powerpoint/2010/main" spd="slow" p14:dur="2000">
+        <p159:morph option="byObject"/>
+      </p:transition>
+    </mc:Choice>
+    <mc:Fallback>
+      <p:transition spd="slow">
+        <p:fade/>
+      </p:transition>
+    </mc:Fallback>
+  </mc:AlternateContent>
 </p:sld>
 </file>
 
@@ -8637,6 +8721,18 @@
   <p:clrMapOvr>
     <a:masterClrMapping/>
   </p:clrMapOvr>
+  <mc:AlternateContent xmlns:mc="http://schemas.openxmlformats.org/markup-compatibility/2006">
+    <mc:Choice xmlns:p159="http://schemas.microsoft.com/office/powerpoint/2015/09/main" Requires="p159">
+      <p:transition xmlns:p14="http://schemas.microsoft.com/office/powerpoint/2010/main" spd="slow" p14:dur="2000">
+        <p159:morph option="byObject"/>
+      </p:transition>
+    </mc:Choice>
+    <mc:Fallback>
+      <p:transition spd="slow">
+        <p:fade/>
+      </p:transition>
+    </mc:Fallback>
+  </mc:AlternateContent>
 </p:sld>
 </file>
 
@@ -8715,66 +8811,87 @@
           </a:prstGeom>
         </p:spPr>
       </p:pic>
-      <p:pic>
-        <p:nvPicPr>
-          <p:cNvPr id="11" name="Picture 10" descr="A table with numbers on it&#10;&#10;Description automatically generated">
+      <p:grpSp>
+        <p:nvGrpSpPr>
+          <p:cNvPr id="16" name="Group 15">
             <a:extLst>
               <a:ext uri="{FF2B5EF4-FFF2-40B4-BE49-F238E27FC236}">
-                <a16:creationId xmlns:a16="http://schemas.microsoft.com/office/drawing/2014/main" id="{311633D9-AD2F-A14C-B5B9-42E6845A3B25}"/>
+                <a16:creationId xmlns:a16="http://schemas.microsoft.com/office/drawing/2014/main" id="{58130706-A59B-7947-8770-54A5E782C3B9}"/>
               </a:ext>
             </a:extLst>
           </p:cNvPr>
-          <p:cNvPicPr>
-            <a:picLocks noChangeAspect="1"/>
-          </p:cNvPicPr>
+          <p:cNvGrpSpPr/>
           <p:nvPr/>
-        </p:nvPicPr>
-        <p:blipFill>
-          <a:blip r:embed="rId3"/>
-          <a:stretch>
-            <a:fillRect/>
-          </a:stretch>
-        </p:blipFill>
-        <p:spPr>
-          <a:xfrm>
-            <a:off x="680321" y="2076599"/>
-            <a:ext cx="10121900" cy="1739900"/>
-          </a:xfrm>
-          <a:prstGeom prst="rect">
-            <a:avLst/>
-          </a:prstGeom>
-        </p:spPr>
-      </p:pic>
-      <p:pic>
-        <p:nvPicPr>
-          <p:cNvPr id="15" name="Picture 14" descr="A person standing next to a window&#10;&#10;Description automatically generated with medium confidence">
-            <a:extLst>
-              <a:ext uri="{FF2B5EF4-FFF2-40B4-BE49-F238E27FC236}">
-                <a16:creationId xmlns:a16="http://schemas.microsoft.com/office/drawing/2014/main" id="{FA1518A3-BADD-F24A-8C45-B8970E912330}"/>
-              </a:ext>
-            </a:extLst>
-          </p:cNvPr>
-          <p:cNvPicPr>
-            <a:picLocks noChangeAspect="1"/>
-          </p:cNvPicPr>
-          <p:nvPr/>
-        </p:nvPicPr>
-        <p:blipFill>
-          <a:blip r:embed="rId4"/>
-          <a:stretch>
-            <a:fillRect/>
-          </a:stretch>
-        </p:blipFill>
-        <p:spPr>
-          <a:xfrm>
-            <a:off x="7999413" y="2076598"/>
-            <a:ext cx="1801812" cy="1595289"/>
-          </a:xfrm>
-          <a:prstGeom prst="rect">
-            <a:avLst/>
-          </a:prstGeom>
-        </p:spPr>
-      </p:pic>
+        </p:nvGrpSpPr>
+        <p:grpSpPr>
+          <a:xfrm>
+            <a:off x="680321" y="2076598"/>
+            <a:ext cx="10121900" cy="1739901"/>
+            <a:chOff x="680321" y="2076598"/>
+            <a:chExt cx="10121900" cy="1739901"/>
+          </a:xfrm>
+        </p:grpSpPr>
+        <p:pic>
+          <p:nvPicPr>
+            <p:cNvPr id="11" name="Picture 10" descr="A table with numbers on it&#10;&#10;Description automatically generated">
+              <a:extLst>
+                <a:ext uri="{FF2B5EF4-FFF2-40B4-BE49-F238E27FC236}">
+                  <a16:creationId xmlns:a16="http://schemas.microsoft.com/office/drawing/2014/main" id="{311633D9-AD2F-A14C-B5B9-42E6845A3B25}"/>
+                </a:ext>
+              </a:extLst>
+            </p:cNvPr>
+            <p:cNvPicPr>
+              <a:picLocks noChangeAspect="1"/>
+            </p:cNvPicPr>
+            <p:nvPr/>
+          </p:nvPicPr>
+          <p:blipFill>
+            <a:blip r:embed="rId3"/>
+            <a:stretch>
+              <a:fillRect/>
+            </a:stretch>
+          </p:blipFill>
+          <p:spPr>
+            <a:xfrm>
+              <a:off x="680321" y="2076599"/>
+              <a:ext cx="10121900" cy="1739900"/>
+            </a:xfrm>
+            <a:prstGeom prst="rect">
+              <a:avLst/>
+            </a:prstGeom>
+          </p:spPr>
+        </p:pic>
+        <p:pic>
+          <p:nvPicPr>
+            <p:cNvPr id="15" name="Picture 14" descr="A person standing next to a window&#10;&#10;Description automatically generated with medium confidence">
+              <a:extLst>
+                <a:ext uri="{FF2B5EF4-FFF2-40B4-BE49-F238E27FC236}">
+                  <a16:creationId xmlns:a16="http://schemas.microsoft.com/office/drawing/2014/main" id="{FA1518A3-BADD-F24A-8C45-B8970E912330}"/>
+                </a:ext>
+              </a:extLst>
+            </p:cNvPr>
+            <p:cNvPicPr>
+              <a:picLocks noChangeAspect="1"/>
+            </p:cNvPicPr>
+            <p:nvPr/>
+          </p:nvPicPr>
+          <p:blipFill>
+            <a:blip r:embed="rId4"/>
+            <a:stretch>
+              <a:fillRect/>
+            </a:stretch>
+          </p:blipFill>
+          <p:spPr>
+            <a:xfrm>
+              <a:off x="7999413" y="2076598"/>
+              <a:ext cx="1801812" cy="1595289"/>
+            </a:xfrm>
+            <a:prstGeom prst="rect">
+              <a:avLst/>
+            </a:prstGeom>
+          </p:spPr>
+        </p:pic>
+      </p:grpSp>
     </p:spTree>
     <p:extLst>
       <p:ext uri="{BB962C8B-B14F-4D97-AF65-F5344CB8AC3E}">
@@ -8785,6 +8902,18 @@
   <p:clrMapOvr>
     <a:masterClrMapping/>
   </p:clrMapOvr>
+  <mc:AlternateContent xmlns:mc="http://schemas.openxmlformats.org/markup-compatibility/2006">
+    <mc:Choice xmlns:p159="http://schemas.microsoft.com/office/powerpoint/2015/09/main" Requires="p159">
+      <p:transition xmlns:p14="http://schemas.microsoft.com/office/powerpoint/2010/main" spd="slow" p14:dur="2000">
+        <p159:morph option="byObject"/>
+      </p:transition>
+    </mc:Choice>
+    <mc:Fallback>
+      <p:transition spd="slow">
+        <p:fade/>
+      </p:transition>
+    </mc:Fallback>
+  </mc:AlternateContent>
 </p:sld>
 </file>
 
@@ -8892,6 +9021,18 @@
   <p:clrMapOvr>
     <a:masterClrMapping/>
   </p:clrMapOvr>
+  <mc:AlternateContent xmlns:mc="http://schemas.openxmlformats.org/markup-compatibility/2006">
+    <mc:Choice xmlns:p159="http://schemas.microsoft.com/office/powerpoint/2015/09/main" Requires="p159">
+      <p:transition xmlns:p14="http://schemas.microsoft.com/office/powerpoint/2010/main" spd="slow" p14:dur="2000">
+        <p159:morph option="byObject"/>
+      </p:transition>
+    </mc:Choice>
+    <mc:Fallback>
+      <p:transition spd="slow">
+        <p:fade/>
+      </p:transition>
+    </mc:Fallback>
+  </mc:AlternateContent>
 </p:sld>
 </file>
 
@@ -8976,6 +9117,18 @@
   <p:clrMapOvr>
     <a:masterClrMapping/>
   </p:clrMapOvr>
+  <mc:AlternateContent xmlns:mc="http://schemas.openxmlformats.org/markup-compatibility/2006">
+    <mc:Choice xmlns:p159="http://schemas.microsoft.com/office/powerpoint/2015/09/main" Requires="p159">
+      <p:transition xmlns:p14="http://schemas.microsoft.com/office/powerpoint/2010/main" spd="slow" p14:dur="2000">
+        <p159:morph option="byObject"/>
+      </p:transition>
+    </mc:Choice>
+    <mc:Fallback>
+      <p:transition spd="slow">
+        <p:fade/>
+      </p:transition>
+    </mc:Fallback>
+  </mc:AlternateContent>
 </p:sld>
 </file>
 
@@ -10004,6 +10157,18 @@
   <p:clrMapOvr>
     <a:masterClrMapping/>
   </p:clrMapOvr>
+  <mc:AlternateContent xmlns:mc="http://schemas.openxmlformats.org/markup-compatibility/2006">
+    <mc:Choice xmlns:p159="http://schemas.microsoft.com/office/powerpoint/2015/09/main" Requires="p159">
+      <p:transition xmlns:p14="http://schemas.microsoft.com/office/powerpoint/2010/main" spd="slow" p14:dur="2000">
+        <p159:morph option="byObject"/>
+      </p:transition>
+    </mc:Choice>
+    <mc:Fallback>
+      <p:transition spd="slow">
+        <p:fade/>
+      </p:transition>
+    </mc:Fallback>
+  </mc:AlternateContent>
 </p:sld>
 </file>
 
@@ -10108,6 +10273,18 @@
   <p:clrMapOvr>
     <a:masterClrMapping/>
   </p:clrMapOvr>
+  <mc:AlternateContent xmlns:mc="http://schemas.openxmlformats.org/markup-compatibility/2006">
+    <mc:Choice xmlns:p159="http://schemas.microsoft.com/office/powerpoint/2015/09/main" Requires="p159">
+      <p:transition xmlns:p14="http://schemas.microsoft.com/office/powerpoint/2010/main" spd="slow" p14:dur="2000">
+        <p159:morph option="byObject"/>
+      </p:transition>
+    </mc:Choice>
+    <mc:Fallback>
+      <p:transition spd="slow">
+        <p:fade/>
+      </p:transition>
+    </mc:Fallback>
+  </mc:AlternateContent>
 </p:sld>
 </file>
 
@@ -10242,6 +10419,18 @@
   <p:clrMapOvr>
     <a:masterClrMapping/>
   </p:clrMapOvr>
+  <mc:AlternateContent xmlns:mc="http://schemas.openxmlformats.org/markup-compatibility/2006">
+    <mc:Choice xmlns:p159="http://schemas.microsoft.com/office/powerpoint/2015/09/main" Requires="p159">
+      <p:transition xmlns:p14="http://schemas.microsoft.com/office/powerpoint/2010/main" spd="slow" p14:dur="2000">
+        <p159:morph option="byObject"/>
+      </p:transition>
+    </mc:Choice>
+    <mc:Fallback>
+      <p:transition spd="slow">
+        <p:fade/>
+      </p:transition>
+    </mc:Fallback>
+  </mc:AlternateContent>
 </p:sld>
 </file>
 
@@ -10442,6 +10631,18 @@
   <p:clrMapOvr>
     <a:masterClrMapping/>
   </p:clrMapOvr>
+  <mc:AlternateContent xmlns:mc="http://schemas.openxmlformats.org/markup-compatibility/2006">
+    <mc:Choice xmlns:p159="http://schemas.microsoft.com/office/powerpoint/2015/09/main" Requires="p159">
+      <p:transition xmlns:p14="http://schemas.microsoft.com/office/powerpoint/2010/main" spd="slow" p14:dur="2000">
+        <p159:morph option="byObject"/>
+      </p:transition>
+    </mc:Choice>
+    <mc:Fallback>
+      <p:transition spd="slow">
+        <p:fade/>
+      </p:transition>
+    </mc:Fallback>
+  </mc:AlternateContent>
 </p:sld>
 </file>
 
@@ -10587,6 +10788,18 @@
   <p:clrMapOvr>
     <a:masterClrMapping/>
   </p:clrMapOvr>
+  <mc:AlternateContent xmlns:mc="http://schemas.openxmlformats.org/markup-compatibility/2006">
+    <mc:Choice xmlns:p159="http://schemas.microsoft.com/office/powerpoint/2015/09/main" Requires="p159">
+      <p:transition xmlns:p14="http://schemas.microsoft.com/office/powerpoint/2010/main" spd="slow" p14:dur="2000">
+        <p159:morph option="byObject"/>
+      </p:transition>
+    </mc:Choice>
+    <mc:Fallback>
+      <p:transition spd="slow">
+        <p:fade/>
+      </p:transition>
+    </mc:Fallback>
+  </mc:AlternateContent>
 </p:sld>
 </file>
 
@@ -10751,6 +10964,18 @@
   <p:clrMapOvr>
     <a:masterClrMapping/>
   </p:clrMapOvr>
+  <mc:AlternateContent xmlns:mc="http://schemas.openxmlformats.org/markup-compatibility/2006">
+    <mc:Choice xmlns:p159="http://schemas.microsoft.com/office/powerpoint/2015/09/main" Requires="p159">
+      <p:transition xmlns:p14="http://schemas.microsoft.com/office/powerpoint/2010/main" spd="slow" p14:dur="2000">
+        <p159:morph option="byObject"/>
+      </p:transition>
+    </mc:Choice>
+    <mc:Fallback>
+      <p:transition spd="slow">
+        <p:fade/>
+      </p:transition>
+    </mc:Fallback>
+  </mc:AlternateContent>
 </p:sld>
 </file>
 
@@ -10903,6 +11128,18 @@
   <p:clrMapOvr>
     <a:masterClrMapping/>
   </p:clrMapOvr>
+  <mc:AlternateContent xmlns:mc="http://schemas.openxmlformats.org/markup-compatibility/2006">
+    <mc:Choice xmlns:p159="http://schemas.microsoft.com/office/powerpoint/2015/09/main" Requires="p159">
+      <p:transition xmlns:p14="http://schemas.microsoft.com/office/powerpoint/2010/main" spd="slow" p14:dur="2000">
+        <p159:morph option="byObject"/>
+      </p:transition>
+    </mc:Choice>
+    <mc:Fallback>
+      <p:transition spd="slow">
+        <p:fade/>
+      </p:transition>
+    </mc:Fallback>
+  </mc:AlternateContent>
 </p:sld>
 </file>
 
@@ -11007,6 +11244,18 @@
   <p:clrMapOvr>
     <a:masterClrMapping/>
   </p:clrMapOvr>
+  <mc:AlternateContent xmlns:mc="http://schemas.openxmlformats.org/markup-compatibility/2006">
+    <mc:Choice xmlns:p159="http://schemas.microsoft.com/office/powerpoint/2015/09/main" Requires="p159">
+      <p:transition xmlns:p14="http://schemas.microsoft.com/office/powerpoint/2010/main" spd="slow" p14:dur="2000">
+        <p159:morph option="byObject"/>
+      </p:transition>
+    </mc:Choice>
+    <mc:Fallback>
+      <p:transition spd="slow">
+        <p:fade/>
+      </p:transition>
+    </mc:Fallback>
+  </mc:AlternateContent>
 </p:sld>
 </file>
 
